--- a/webapp/MongoDBDemo.pptx
+++ b/webapp/MongoDBDemo.pptx
@@ -8934,7 +8934,7 @@
         <p:spPr/>
         <p:txBody>
           <a:bodyPr>
-            <a:normAutofit fontScale="92500" lnSpcReduction="10000"/>
+            <a:normAutofit fontScale="92500" lnSpcReduction="20000"/>
           </a:bodyPr>
           <a:lstStyle/>
           <a:p>
@@ -8944,7 +8944,7 @@
             </a:r>
             <a:r>
               <a:rPr lang="en-US"/>
-              <a:t>git clone</a:t>
+              <a:t>git clone https://github.com/vnarayanan12/mongodb-deploy-kubernetes.git</a:t>
             </a:r>
             <a:endParaRPr lang="en-US" dirty="0"/>
           </a:p>
@@ -10662,7 +10662,7 @@
           <a:graphicData uri="http://schemas.openxmlformats.org/presentationml/2006/ole">
             <mc:AlternateContent xmlns:mc="http://schemas.openxmlformats.org/markup-compatibility/2006">
               <mc:Choice xmlns:v="urn:schemas-microsoft-com:vml" Requires="v">
-                <p:oleObj spid="_x0000_s1075" name="Bitmap Image" r:id="rId3" imgW="11453040" imgH="4396680" progId="Paint.Picture">
+                <p:oleObj spid="_x0000_s1076" name="Bitmap Image" r:id="rId3" imgW="11453040" imgH="4396680" progId="Paint.Picture">
                   <p:embed/>
                 </p:oleObj>
               </mc:Choice>
